--- a/assembly/pictures/FactorySizePlot.pptx
+++ b/assembly/pictures/FactorySizePlot.pptx
@@ -106,7 +106,7 @@
   </p:defaultTextStyle>
   <p:extLst>
     <p:ext uri="{EFAFB233-063F-42B5-8137-9DF3F51BA10A}">
-      <p15:sldGuideLst xmlns:p15="http://schemas.microsoft.com/office/powerpoint/2012/main"/>
+      <p15:sldGuideLst xmlns:p15="http://schemas.microsoft.com/office/powerpoint/2012/main" xmlns=""/>
     </p:ext>
   </p:extLst>
 </p:presentation>
@@ -245,7 +245,7 @@
           <a:p>
             <a:fld id="{CCD704ED-BA02-4453-8990-C3CE2435DD88}" type="datetimeFigureOut">
               <a:rPr lang="en-US" smtClean="0"/>
-              <a:t>5/2/2017</a:t>
+              <a:t>5/3/17</a:t>
             </a:fld>
             <a:endParaRPr lang="en-US"/>
           </a:p>
@@ -413,7 +413,7 @@
           <a:p>
             <a:fld id="{CCD704ED-BA02-4453-8990-C3CE2435DD88}" type="datetimeFigureOut">
               <a:rPr lang="en-US" smtClean="0"/>
-              <a:t>5/2/2017</a:t>
+              <a:t>5/3/17</a:t>
             </a:fld>
             <a:endParaRPr lang="en-US"/>
           </a:p>
@@ -591,7 +591,7 @@
           <a:p>
             <a:fld id="{CCD704ED-BA02-4453-8990-C3CE2435DD88}" type="datetimeFigureOut">
               <a:rPr lang="en-US" smtClean="0"/>
-              <a:t>5/2/2017</a:t>
+              <a:t>5/3/17</a:t>
             </a:fld>
             <a:endParaRPr lang="en-US"/>
           </a:p>
@@ -759,7 +759,7 @@
           <a:p>
             <a:fld id="{CCD704ED-BA02-4453-8990-C3CE2435DD88}" type="datetimeFigureOut">
               <a:rPr lang="en-US" smtClean="0"/>
-              <a:t>5/2/2017</a:t>
+              <a:t>5/3/17</a:t>
             </a:fld>
             <a:endParaRPr lang="en-US"/>
           </a:p>
@@ -1004,7 +1004,7 @@
           <a:p>
             <a:fld id="{CCD704ED-BA02-4453-8990-C3CE2435DD88}" type="datetimeFigureOut">
               <a:rPr lang="en-US" smtClean="0"/>
-              <a:t>5/2/2017</a:t>
+              <a:t>5/3/17</a:t>
             </a:fld>
             <a:endParaRPr lang="en-US"/>
           </a:p>
@@ -1233,7 +1233,7 @@
           <a:p>
             <a:fld id="{CCD704ED-BA02-4453-8990-C3CE2435DD88}" type="datetimeFigureOut">
               <a:rPr lang="en-US" smtClean="0"/>
-              <a:t>5/2/2017</a:t>
+              <a:t>5/3/17</a:t>
             </a:fld>
             <a:endParaRPr lang="en-US"/>
           </a:p>
@@ -1597,7 +1597,7 @@
           <a:p>
             <a:fld id="{CCD704ED-BA02-4453-8990-C3CE2435DD88}" type="datetimeFigureOut">
               <a:rPr lang="en-US" smtClean="0"/>
-              <a:t>5/2/2017</a:t>
+              <a:t>5/3/17</a:t>
             </a:fld>
             <a:endParaRPr lang="en-US"/>
           </a:p>
@@ -1714,7 +1714,7 @@
           <a:p>
             <a:fld id="{CCD704ED-BA02-4453-8990-C3CE2435DD88}" type="datetimeFigureOut">
               <a:rPr lang="en-US" smtClean="0"/>
-              <a:t>5/2/2017</a:t>
+              <a:t>5/3/17</a:t>
             </a:fld>
             <a:endParaRPr lang="en-US"/>
           </a:p>
@@ -1809,7 +1809,7 @@
           <a:p>
             <a:fld id="{CCD704ED-BA02-4453-8990-C3CE2435DD88}" type="datetimeFigureOut">
               <a:rPr lang="en-US" smtClean="0"/>
-              <a:t>5/2/2017</a:t>
+              <a:t>5/3/17</a:t>
             </a:fld>
             <a:endParaRPr lang="en-US"/>
           </a:p>
@@ -2084,7 +2084,7 @@
           <a:p>
             <a:fld id="{CCD704ED-BA02-4453-8990-C3CE2435DD88}" type="datetimeFigureOut">
               <a:rPr lang="en-US" smtClean="0"/>
-              <a:t>5/2/2017</a:t>
+              <a:t>5/3/17</a:t>
             </a:fld>
             <a:endParaRPr lang="en-US"/>
           </a:p>
@@ -2336,7 +2336,7 @@
           <a:p>
             <a:fld id="{CCD704ED-BA02-4453-8990-C3CE2435DD88}" type="datetimeFigureOut">
               <a:rPr lang="en-US" smtClean="0"/>
-              <a:t>5/2/2017</a:t>
+              <a:t>5/3/17</a:t>
             </a:fld>
             <a:endParaRPr lang="en-US"/>
           </a:p>
@@ -2547,7 +2547,7 @@
           <a:p>
             <a:fld id="{CCD704ED-BA02-4453-8990-C3CE2435DD88}" type="datetimeFigureOut">
               <a:rPr lang="en-US" smtClean="0"/>
-              <a:t>5/2/2017</a:t>
+              <a:t>5/3/17</a:t>
             </a:fld>
             <a:endParaRPr lang="en-US"/>
           </a:p>
@@ -2954,7 +2954,7 @@
       </p:grpSpPr>
       <p:pic>
         <p:nvPicPr>
-          <p:cNvPr id="2" name="Picture 1"/>
+          <p:cNvPr id="3" name="Picture 2"/>
           <p:cNvPicPr>
             <a:picLocks noChangeAspect="1"/>
           </p:cNvPicPr>
@@ -2968,32 +2968,8 @@
         </p:blipFill>
         <p:spPr>
           <a:xfrm>
-            <a:off x="3557551" y="1519312"/>
-            <a:ext cx="5076897" cy="3819375"/>
-          </a:xfrm>
-          <a:prstGeom prst="rect">
-            <a:avLst/>
-          </a:prstGeom>
-        </p:spPr>
-      </p:pic>
-      <p:pic>
-        <p:nvPicPr>
-          <p:cNvPr id="3" name="Picture 2"/>
-          <p:cNvPicPr>
-            <a:picLocks noChangeAspect="1"/>
-          </p:cNvPicPr>
-          <p:nvPr/>
-        </p:nvPicPr>
-        <p:blipFill>
-          <a:blip r:embed="rId3"/>
-          <a:stretch>
-            <a:fillRect/>
-          </a:stretch>
-        </p:blipFill>
-        <p:spPr>
-          <a:xfrm>
-            <a:off x="4932141" y="3559998"/>
-            <a:ext cx="249958" cy="249958"/>
+            <a:off x="2161340" y="4464455"/>
+            <a:ext cx="889761" cy="889761"/>
           </a:xfrm>
           <a:prstGeom prst="rect">
             <a:avLst/>
@@ -3009,15 +2985,15 @@
           <p:nvPr/>
         </p:nvPicPr>
         <p:blipFill>
-          <a:blip r:embed="rId4"/>
+          <a:blip r:embed="rId3"/>
           <a:stretch>
             <a:fillRect/>
           </a:stretch>
         </p:blipFill>
         <p:spPr>
           <a:xfrm>
-            <a:off x="5291547" y="3343571"/>
-            <a:ext cx="298730" cy="341406"/>
+            <a:off x="3021030" y="3882396"/>
+            <a:ext cx="1063372" cy="1215283"/>
           </a:xfrm>
           <a:prstGeom prst="rect">
             <a:avLst/>
@@ -3033,15 +3009,15 @@
           <p:nvPr/>
         </p:nvPicPr>
         <p:blipFill>
-          <a:blip r:embed="rId5"/>
+          <a:blip r:embed="rId4"/>
           <a:stretch>
             <a:fillRect/>
           </a:stretch>
         </p:blipFill>
         <p:spPr>
           <a:xfrm>
-            <a:off x="5699725" y="3153623"/>
-            <a:ext cx="396274" cy="225572"/>
+            <a:off x="4410533" y="3346061"/>
+            <a:ext cx="1410594" cy="802956"/>
           </a:xfrm>
           <a:prstGeom prst="rect">
             <a:avLst/>
@@ -3057,15 +3033,15 @@
           <p:nvPr/>
         </p:nvPicPr>
         <p:blipFill>
-          <a:blip r:embed="rId6"/>
+          <a:blip r:embed="rId5"/>
           <a:stretch>
             <a:fillRect/>
           </a:stretch>
         </p:blipFill>
         <p:spPr>
           <a:xfrm>
-            <a:off x="6275730" y="2998161"/>
-            <a:ext cx="353599" cy="310923"/>
+            <a:off x="5849467" y="2613286"/>
+            <a:ext cx="2309000" cy="2030326"/>
           </a:xfrm>
           <a:prstGeom prst="rect">
             <a:avLst/>
@@ -3081,15 +3057,15 @@
           <p:nvPr/>
         </p:nvPicPr>
         <p:blipFill>
-          <a:blip r:embed="rId7"/>
+          <a:blip r:embed="rId6"/>
           <a:stretch>
             <a:fillRect/>
           </a:stretch>
         </p:blipFill>
         <p:spPr>
           <a:xfrm>
-            <a:off x="6819664" y="2847097"/>
-            <a:ext cx="417455" cy="394925"/>
+            <a:off x="8031889" y="2115834"/>
+            <a:ext cx="1485991" cy="1405792"/>
           </a:xfrm>
           <a:prstGeom prst="rect">
             <a:avLst/>
@@ -3105,15 +3081,45 @@
           <p:nvPr/>
         </p:nvPicPr>
         <p:blipFill>
-          <a:blip r:embed="rId8"/>
+          <a:blip r:embed="rId7"/>
           <a:stretch>
             <a:fillRect/>
           </a:stretch>
         </p:blipFill>
         <p:spPr>
           <a:xfrm>
-            <a:off x="7407689" y="2736248"/>
-            <a:ext cx="524433" cy="398304"/>
+            <a:off x="9755172" y="1851035"/>
+            <a:ext cx="1866794" cy="1417820"/>
+          </a:xfrm>
+          <a:prstGeom prst="rect">
+            <a:avLst/>
+          </a:prstGeom>
+        </p:spPr>
+      </p:pic>
+      <p:pic>
+        <p:nvPicPr>
+          <p:cNvPr id="16" name="Picture 15" descr="MaxSizeBlank.pdf"/>
+          <p:cNvPicPr>
+            <a:picLocks noChangeAspect="1"/>
+          </p:cNvPicPr>
+          <p:nvPr/>
+        </p:nvPicPr>
+        <p:blipFill>
+          <a:blip r:embed="rId8">
+            <a:extLst>
+              <a:ext uri="{28A0092B-C50C-407E-A947-70E740481C1C}">
+                <a14:useLocalDpi xmlns:a14="http://schemas.microsoft.com/office/drawing/2010/main" val="0"/>
+              </a:ext>
+            </a:extLst>
+          </a:blip>
+          <a:stretch>
+            <a:fillRect/>
+          </a:stretch>
+        </p:blipFill>
+        <p:spPr>
+          <a:xfrm>
+            <a:off x="-577249" y="-127001"/>
+            <a:ext cx="13738548" cy="6869275"/>
           </a:xfrm>
           <a:prstGeom prst="rect">
             <a:avLst/>
@@ -3122,22 +3128,22 @@
       </p:pic>
       <p:cxnSp>
         <p:nvCxnSpPr>
-          <p:cNvPr id="10" name="Straight Arrow Connector 9"/>
+          <p:cNvPr id="19" name="Straight Arrow Connector 18"/>
           <p:cNvCxnSpPr>
             <a:cxnSpLocks/>
           </p:cNvCxnSpPr>
           <p:nvPr/>
         </p:nvCxnSpPr>
         <p:spPr>
-          <a:xfrm>
-            <a:off x="6848585" y="2510538"/>
-            <a:ext cx="123247" cy="267569"/>
+          <a:xfrm flipH="1">
+            <a:off x="2501417" y="3158067"/>
+            <a:ext cx="500016" cy="1268001"/>
           </a:xfrm>
           <a:prstGeom prst="straightConnector1">
             <a:avLst/>
           </a:prstGeom>
-          <a:ln>
-            <a:tailEnd type="triangle"/>
+          <a:ln w="50800" cap="rnd">
+            <a:tailEnd type="stealth" w="med" len="lg"/>
           </a:ln>
         </p:spPr>
         <p:style>
@@ -3155,126 +3161,182 @@
           </a:fontRef>
         </p:style>
       </p:cxnSp>
-      <p:pic>
-        <p:nvPicPr>
-          <p:cNvPr id="11" name="Picture 10"/>
-          <p:cNvPicPr>
-            <a:picLocks noChangeAspect="1"/>
-          </p:cNvPicPr>
+      <p:cxnSp>
+        <p:nvCxnSpPr>
+          <p:cNvPr id="21" name="Straight Arrow Connector 20"/>
+          <p:cNvCxnSpPr>
+            <a:cxnSpLocks/>
+          </p:cNvCxnSpPr>
           <p:nvPr/>
-        </p:nvPicPr>
-        <p:blipFill>
-          <a:blip r:embed="rId9"/>
-          <a:stretch>
-            <a:fillRect/>
-          </a:stretch>
-        </p:blipFill>
+        </p:nvCxnSpPr>
         <p:spPr>
-          <a:xfrm rot="21325974">
-            <a:off x="6225086" y="2652470"/>
-            <a:ext cx="214589" cy="397621"/>
+          <a:xfrm flipH="1">
+            <a:off x="3540467" y="2620433"/>
+            <a:ext cx="447333" cy="1189834"/>
           </a:xfrm>
-          <a:prstGeom prst="rect">
+          <a:prstGeom prst="straightConnector1">
             <a:avLst/>
           </a:prstGeom>
+          <a:ln w="50800" cap="rnd">
+            <a:tailEnd type="stealth" w="med" len="lg"/>
+          </a:ln>
         </p:spPr>
-      </p:pic>
-      <p:pic>
-        <p:nvPicPr>
-          <p:cNvPr id="12" name="Picture 11"/>
-          <p:cNvPicPr>
-            <a:picLocks noChangeAspect="1"/>
-          </p:cNvPicPr>
+        <p:style>
+          <a:lnRef idx="1">
+            <a:schemeClr val="dk1"/>
+          </a:lnRef>
+          <a:fillRef idx="0">
+            <a:schemeClr val="dk1"/>
+          </a:fillRef>
+          <a:effectRef idx="0">
+            <a:schemeClr val="dk1"/>
+          </a:effectRef>
+          <a:fontRef idx="minor">
+            <a:schemeClr val="tx1"/>
+          </a:fontRef>
+        </p:style>
+      </p:cxnSp>
+      <p:cxnSp>
+        <p:nvCxnSpPr>
+          <p:cNvPr id="24" name="Straight Arrow Connector 23"/>
+          <p:cNvCxnSpPr>
+            <a:cxnSpLocks/>
+            <a:endCxn id="5" idx="0"/>
+          </p:cNvCxnSpPr>
           <p:nvPr/>
-        </p:nvPicPr>
-        <p:blipFill>
-          <a:blip r:embed="rId10"/>
-          <a:stretch>
-            <a:fillRect/>
-          </a:stretch>
-        </p:blipFill>
+        </p:nvCxnSpPr>
         <p:spPr>
-          <a:xfrm rot="615547">
-            <a:off x="5574746" y="2979871"/>
-            <a:ext cx="249958" cy="262151"/>
+          <a:xfrm>
+            <a:off x="4872567" y="2370667"/>
+            <a:ext cx="243263" cy="975394"/>
           </a:xfrm>
-          <a:prstGeom prst="rect">
+          <a:prstGeom prst="straightConnector1">
             <a:avLst/>
           </a:prstGeom>
+          <a:ln w="50800" cap="rnd">
+            <a:tailEnd type="stealth" w="med" len="lg"/>
+          </a:ln>
         </p:spPr>
-      </p:pic>
-      <p:pic>
-        <p:nvPicPr>
-          <p:cNvPr id="13" name="Picture 12"/>
-          <p:cNvPicPr>
-            <a:picLocks noChangeAspect="1"/>
-          </p:cNvPicPr>
+        <p:style>
+          <a:lnRef idx="1">
+            <a:schemeClr val="dk1"/>
+          </a:lnRef>
+          <a:fillRef idx="0">
+            <a:schemeClr val="dk1"/>
+          </a:fillRef>
+          <a:effectRef idx="0">
+            <a:schemeClr val="dk1"/>
+          </a:effectRef>
+          <a:fontRef idx="minor">
+            <a:schemeClr val="tx1"/>
+          </a:fontRef>
+        </p:style>
+      </p:cxnSp>
+      <p:cxnSp>
+        <p:nvCxnSpPr>
+          <p:cNvPr id="25" name="Straight Arrow Connector 24"/>
+          <p:cNvCxnSpPr>
+            <a:cxnSpLocks/>
+          </p:cNvCxnSpPr>
           <p:nvPr/>
-        </p:nvPicPr>
-        <p:blipFill>
-          <a:blip r:embed="rId11"/>
-          <a:stretch>
-            <a:fillRect/>
-          </a:stretch>
-        </p:blipFill>
+        </p:nvCxnSpPr>
+        <p:spPr>
+          <a:xfrm flipH="1">
+            <a:off x="6484442" y="1769533"/>
+            <a:ext cx="9491" cy="886108"/>
+          </a:xfrm>
+          <a:prstGeom prst="straightConnector1">
+            <a:avLst/>
+          </a:prstGeom>
+          <a:ln w="50800" cap="rnd">
+            <a:tailEnd type="stealth" w="med" len="lg"/>
+          </a:ln>
+        </p:spPr>
+        <p:style>
+          <a:lnRef idx="1">
+            <a:schemeClr val="dk1"/>
+          </a:lnRef>
+          <a:fillRef idx="0">
+            <a:schemeClr val="dk1"/>
+          </a:fillRef>
+          <a:effectRef idx="0">
+            <a:schemeClr val="dk1"/>
+          </a:effectRef>
+          <a:fontRef idx="minor">
+            <a:schemeClr val="tx1"/>
+          </a:fontRef>
+        </p:style>
+      </p:cxnSp>
+      <p:cxnSp>
+        <p:nvCxnSpPr>
+          <p:cNvPr id="26" name="Straight Arrow Connector 25"/>
+          <p:cNvCxnSpPr>
+            <a:cxnSpLocks/>
+          </p:cNvCxnSpPr>
+          <p:nvPr/>
+        </p:nvCxnSpPr>
         <p:spPr>
           <a:xfrm>
-            <a:off x="5269413" y="3132285"/>
-            <a:ext cx="176799" cy="268247"/>
+            <a:off x="8280400" y="1566333"/>
+            <a:ext cx="262899" cy="550482"/>
           </a:xfrm>
-          <a:prstGeom prst="rect">
+          <a:prstGeom prst="straightConnector1">
             <a:avLst/>
           </a:prstGeom>
+          <a:ln w="50800" cap="rnd">
+            <a:tailEnd type="stealth" w="med" len="lg"/>
+          </a:ln>
         </p:spPr>
-      </p:pic>
-      <p:pic>
-        <p:nvPicPr>
-          <p:cNvPr id="14" name="Picture 13"/>
-          <p:cNvPicPr>
-            <a:picLocks noChangeAspect="1"/>
-          </p:cNvPicPr>
+        <p:style>
+          <a:lnRef idx="1">
+            <a:schemeClr val="dk1"/>
+          </a:lnRef>
+          <a:fillRef idx="0">
+            <a:schemeClr val="dk1"/>
+          </a:fillRef>
+          <a:effectRef idx="0">
+            <a:schemeClr val="dk1"/>
+          </a:effectRef>
+          <a:fontRef idx="minor">
+            <a:schemeClr val="tx1"/>
+          </a:fontRef>
+        </p:style>
+      </p:cxnSp>
+      <p:cxnSp>
+        <p:nvCxnSpPr>
+          <p:cNvPr id="27" name="Straight Arrow Connector 26"/>
+          <p:cNvCxnSpPr>
+            <a:cxnSpLocks/>
+          </p:cNvCxnSpPr>
           <p:nvPr/>
-        </p:nvPicPr>
-        <p:blipFill>
-          <a:blip r:embed="rId12"/>
-          <a:stretch>
-            <a:fillRect/>
-          </a:stretch>
-        </p:blipFill>
+        </p:nvCxnSpPr>
         <p:spPr>
           <a:xfrm>
-            <a:off x="4912833" y="3389954"/>
-            <a:ext cx="188992" cy="256054"/>
+            <a:off x="9719733" y="1337733"/>
+            <a:ext cx="285933" cy="528913"/>
           </a:xfrm>
-          <a:prstGeom prst="rect">
+          <a:prstGeom prst="straightConnector1">
             <a:avLst/>
           </a:prstGeom>
+          <a:ln w="50800" cap="rnd">
+            <a:tailEnd type="stealth" w="med" len="lg"/>
+          </a:ln>
         </p:spPr>
-      </p:pic>
-      <p:pic>
-        <p:nvPicPr>
-          <p:cNvPr id="18" name="Picture 17"/>
-          <p:cNvPicPr>
-            <a:picLocks noChangeAspect="1"/>
-          </p:cNvPicPr>
-          <p:nvPr/>
-        </p:nvPicPr>
-        <p:blipFill>
-          <a:blip r:embed="rId9"/>
-          <a:stretch>
-            <a:fillRect/>
-          </a:stretch>
-        </p:blipFill>
-        <p:spPr>
-          <a:xfrm>
-            <a:off x="7387576" y="2388628"/>
-            <a:ext cx="207282" cy="384081"/>
-          </a:xfrm>
-          <a:prstGeom prst="rect">
-            <a:avLst/>
-          </a:prstGeom>
-        </p:spPr>
-      </p:pic>
+        <p:style>
+          <a:lnRef idx="1">
+            <a:schemeClr val="dk1"/>
+          </a:lnRef>
+          <a:fillRef idx="0">
+            <a:schemeClr val="dk1"/>
+          </a:fillRef>
+          <a:effectRef idx="0">
+            <a:schemeClr val="dk1"/>
+          </a:effectRef>
+          <a:fontRef idx="minor">
+            <a:schemeClr val="tx1"/>
+          </a:fontRef>
+        </p:style>
+      </p:cxnSp>
     </p:spTree>
     <p:extLst>
       <p:ext uri="{BB962C8B-B14F-4D97-AF65-F5344CB8AC3E}">
@@ -3331,7 +3393,7 @@
     </a:clrScheme>
     <a:fontScheme name="Office">
       <a:majorFont>
-        <a:latin typeface="Calibri Light" panose="020F0302020204030204"/>
+        <a:latin typeface="Calibri Light"/>
         <a:ea typeface=""/>
         <a:cs typeface=""/>
         <a:font script="Jpan" typeface="游ゴシック Light"/>
@@ -3383,7 +3445,7 @@
         <a:font script="Tfng" typeface="Ebrima"/>
       </a:majorFont>
       <a:minorFont>
-        <a:latin typeface="Calibri" panose="020F0502020204030204"/>
+        <a:latin typeface="Calibri"/>
         <a:ea typeface=""/>
         <a:cs typeface=""/>
         <a:font script="Jpan" typeface="游ゴシック"/>
@@ -3577,7 +3639,7 @@
   <a:extraClrSchemeLst/>
   <a:extLst>
     <a:ext uri="{05A4C25C-085E-4340-85A3-A5531E510DB2}">
-      <thm15:themeFamily xmlns:thm15="http://schemas.microsoft.com/office/thememl/2012/main" name="Office Theme" id="{62F939B6-93AF-4DB8-9C6B-D6C7DFDC589F}" vid="{4A3C46E8-61CC-4603-A589-7422A47A8E4A}"/>
+      <thm15:themeFamily xmlns:thm15="http://schemas.microsoft.com/office/thememl/2012/main" xmlns="" name="Office Theme" id="{62F939B6-93AF-4DB8-9C6B-D6C7DFDC589F}" vid="{4A3C46E8-61CC-4603-A589-7422A47A8E4A}"/>
     </a:ext>
   </a:extLst>
 </a:theme>
